--- a/ppt/Qt面试题2.pptx
+++ b/ppt/Qt面试题2.pptx
@@ -282,7 +282,7 @@
           <a:p>
             <a:fld id="{5E9DFFC2-4A97-4DEF-8EBC-5F24CEB0D211}" type="datetimeFigureOut">
               <a:rPr lang="zh-CN" altLang="en-US" smtClean="0"/>
-              <a:t>2024/2/16</a:t>
+              <a:t>2024/2/18</a:t>
             </a:fld>
             <a:endParaRPr lang="zh-CN" altLang="en-US"/>
           </a:p>
@@ -480,7 +480,7 @@
           <a:p>
             <a:fld id="{5E9DFFC2-4A97-4DEF-8EBC-5F24CEB0D211}" type="datetimeFigureOut">
               <a:rPr lang="zh-CN" altLang="en-US" smtClean="0"/>
-              <a:t>2024/2/16</a:t>
+              <a:t>2024/2/18</a:t>
             </a:fld>
             <a:endParaRPr lang="zh-CN" altLang="en-US"/>
           </a:p>
@@ -688,7 +688,7 @@
           <a:p>
             <a:fld id="{5E9DFFC2-4A97-4DEF-8EBC-5F24CEB0D211}" type="datetimeFigureOut">
               <a:rPr lang="zh-CN" altLang="en-US" smtClean="0"/>
-              <a:t>2024/2/16</a:t>
+              <a:t>2024/2/18</a:t>
             </a:fld>
             <a:endParaRPr lang="zh-CN" altLang="en-US"/>
           </a:p>
@@ -886,7 +886,7 @@
           <a:p>
             <a:fld id="{5E9DFFC2-4A97-4DEF-8EBC-5F24CEB0D211}" type="datetimeFigureOut">
               <a:rPr lang="zh-CN" altLang="en-US" smtClean="0"/>
-              <a:t>2024/2/16</a:t>
+              <a:t>2024/2/18</a:t>
             </a:fld>
             <a:endParaRPr lang="zh-CN" altLang="en-US"/>
           </a:p>
@@ -1161,7 +1161,7 @@
           <a:p>
             <a:fld id="{5E9DFFC2-4A97-4DEF-8EBC-5F24CEB0D211}" type="datetimeFigureOut">
               <a:rPr lang="zh-CN" altLang="en-US" smtClean="0"/>
-              <a:t>2024/2/16</a:t>
+              <a:t>2024/2/18</a:t>
             </a:fld>
             <a:endParaRPr lang="zh-CN" altLang="en-US"/>
           </a:p>
@@ -1426,7 +1426,7 @@
           <a:p>
             <a:fld id="{5E9DFFC2-4A97-4DEF-8EBC-5F24CEB0D211}" type="datetimeFigureOut">
               <a:rPr lang="zh-CN" altLang="en-US" smtClean="0"/>
-              <a:t>2024/2/16</a:t>
+              <a:t>2024/2/18</a:t>
             </a:fld>
             <a:endParaRPr lang="zh-CN" altLang="en-US"/>
           </a:p>
@@ -1838,7 +1838,7 @@
           <a:p>
             <a:fld id="{5E9DFFC2-4A97-4DEF-8EBC-5F24CEB0D211}" type="datetimeFigureOut">
               <a:rPr lang="zh-CN" altLang="en-US" smtClean="0"/>
-              <a:t>2024/2/16</a:t>
+              <a:t>2024/2/18</a:t>
             </a:fld>
             <a:endParaRPr lang="zh-CN" altLang="en-US"/>
           </a:p>
@@ -1979,7 +1979,7 @@
           <a:p>
             <a:fld id="{5E9DFFC2-4A97-4DEF-8EBC-5F24CEB0D211}" type="datetimeFigureOut">
               <a:rPr lang="zh-CN" altLang="en-US" smtClean="0"/>
-              <a:t>2024/2/16</a:t>
+              <a:t>2024/2/18</a:t>
             </a:fld>
             <a:endParaRPr lang="zh-CN" altLang="en-US"/>
           </a:p>
@@ -2092,7 +2092,7 @@
           <a:p>
             <a:fld id="{5E9DFFC2-4A97-4DEF-8EBC-5F24CEB0D211}" type="datetimeFigureOut">
               <a:rPr lang="zh-CN" altLang="en-US" smtClean="0"/>
-              <a:t>2024/2/16</a:t>
+              <a:t>2024/2/18</a:t>
             </a:fld>
             <a:endParaRPr lang="zh-CN" altLang="en-US"/>
           </a:p>
@@ -2403,7 +2403,7 @@
           <a:p>
             <a:fld id="{5E9DFFC2-4A97-4DEF-8EBC-5F24CEB0D211}" type="datetimeFigureOut">
               <a:rPr lang="zh-CN" altLang="en-US" smtClean="0"/>
-              <a:t>2024/2/16</a:t>
+              <a:t>2024/2/18</a:t>
             </a:fld>
             <a:endParaRPr lang="zh-CN" altLang="en-US"/>
           </a:p>
@@ -2691,7 +2691,7 @@
           <a:p>
             <a:fld id="{5E9DFFC2-4A97-4DEF-8EBC-5F24CEB0D211}" type="datetimeFigureOut">
               <a:rPr lang="zh-CN" altLang="en-US" smtClean="0"/>
-              <a:t>2024/2/16</a:t>
+              <a:t>2024/2/18</a:t>
             </a:fld>
             <a:endParaRPr lang="zh-CN" altLang="en-US"/>
           </a:p>
@@ -2935,7 +2935,7 @@
           <a:p>
             <a:fld id="{5E9DFFC2-4A97-4DEF-8EBC-5F24CEB0D211}" type="datetimeFigureOut">
               <a:rPr lang="zh-CN" altLang="en-US" smtClean="0"/>
-              <a:t>2024/2/16</a:t>
+              <a:t>2024/2/18</a:t>
             </a:fld>
             <a:endParaRPr lang="zh-CN" altLang="en-US"/>
           </a:p>
@@ -5870,7 +5870,7 @@
         <p:spPr>
           <a:xfrm>
             <a:off x="4848100" y="3096728"/>
-            <a:ext cx="3672800" cy="338554"/>
+            <a:ext cx="1826141" cy="338554"/>
           </a:xfrm>
           <a:prstGeom prst="rect">
             <a:avLst/>
@@ -5889,7 +5889,7 @@
                   <a:srgbClr val="D7D7D7"/>
                 </a:solidFill>
               </a:rPr>
-              <a:t>注：资料是网上找的，仅代表个人观点</a:t>
+              <a:t>注：资料源于网络</a:t>
             </a:r>
           </a:p>
         </p:txBody>
